--- a/ppt 16-9/0830.凭主旨意行.pptx
+++ b/ppt 16-9/0830.凭主旨意行.pptx
@@ -129,7 +129,7 @@
           <p:cNvPr id="2" name="标题 1">
             <a:extLst>
               <a:ext uri="{FF2B5EF4-FFF2-40B4-BE49-F238E27FC236}">
-                <a16:creationId xmlns:a16="http://schemas.microsoft.com/office/drawing/2014/main" id="{62EBADC9-4722-1B0E-1EB6-5D3A6B068938}"/>
+                <a16:creationId xmlns:a16="http://schemas.microsoft.com/office/drawing/2014/main" id="{60D64FB2-7A9F-140A-4E7B-A09BD535BA75}"/>
               </a:ext>
             </a:extLst>
           </p:cNvPr>
@@ -166,7 +166,7 @@
           <p:cNvPr id="3" name="副标题 2">
             <a:extLst>
               <a:ext uri="{FF2B5EF4-FFF2-40B4-BE49-F238E27FC236}">
-                <a16:creationId xmlns:a16="http://schemas.microsoft.com/office/drawing/2014/main" id="{A4FD23A0-6A72-584C-7D75-D352CB844282}"/>
+                <a16:creationId xmlns:a16="http://schemas.microsoft.com/office/drawing/2014/main" id="{D659A94B-67A8-9DB9-24D7-5FDDAEB496B2}"/>
               </a:ext>
             </a:extLst>
           </p:cNvPr>
@@ -236,7 +236,7 @@
           <p:cNvPr id="4" name="日期占位符 3">
             <a:extLst>
               <a:ext uri="{FF2B5EF4-FFF2-40B4-BE49-F238E27FC236}">
-                <a16:creationId xmlns:a16="http://schemas.microsoft.com/office/drawing/2014/main" id="{54C3CEC5-360B-4631-D837-2C65A7448DD2}"/>
+                <a16:creationId xmlns:a16="http://schemas.microsoft.com/office/drawing/2014/main" id="{C795135F-BFCF-5576-57B6-B93EFE867C8D}"/>
               </a:ext>
             </a:extLst>
           </p:cNvPr>
@@ -252,7 +252,7 @@
           <a:bodyPr/>
           <a:lstStyle/>
           <a:p>
-            <a:fld id="{A9E084B8-9550-4E30-ABDE-FD761B06D433}" type="datetimeFigureOut">
+            <a:fld id="{62F5B513-0B3F-4E3B-9582-B2750A62041A}" type="datetimeFigureOut">
               <a:rPr lang="zh-CN" altLang="en-US" smtClean="0"/>
               <a:t>2024/3/10</a:t>
             </a:fld>
@@ -265,7 +265,7 @@
           <p:cNvPr id="5" name="页脚占位符 4">
             <a:extLst>
               <a:ext uri="{FF2B5EF4-FFF2-40B4-BE49-F238E27FC236}">
-                <a16:creationId xmlns:a16="http://schemas.microsoft.com/office/drawing/2014/main" id="{69D5039E-7066-3A79-E72E-CFEC1AAF8902}"/>
+                <a16:creationId xmlns:a16="http://schemas.microsoft.com/office/drawing/2014/main" id="{238E6272-0F9B-18EA-7A6C-6027F7F54A59}"/>
               </a:ext>
             </a:extLst>
           </p:cNvPr>
@@ -290,7 +290,7 @@
           <p:cNvPr id="6" name="灯片编号占位符 5">
             <a:extLst>
               <a:ext uri="{FF2B5EF4-FFF2-40B4-BE49-F238E27FC236}">
-                <a16:creationId xmlns:a16="http://schemas.microsoft.com/office/drawing/2014/main" id="{D4E8B2A1-C882-A233-2E8D-E2921B1803CF}"/>
+                <a16:creationId xmlns:a16="http://schemas.microsoft.com/office/drawing/2014/main" id="{7BD55AF6-E206-513D-1788-B335BD4B67F1}"/>
               </a:ext>
             </a:extLst>
           </p:cNvPr>
@@ -306,7 +306,7 @@
           <a:bodyPr/>
           <a:lstStyle/>
           <a:p>
-            <a:fld id="{C92F685E-A61B-44E4-A574-474DA68A97EC}" type="slidenum">
+            <a:fld id="{C72338E8-E67C-424C-B91A-5D85FDEDCB57}" type="slidenum">
               <a:rPr lang="zh-CN" altLang="en-US" smtClean="0"/>
               <a:t>‹#›</a:t>
             </a:fld>
@@ -317,7 +317,7 @@
     </p:spTree>
     <p:extLst>
       <p:ext uri="{BB962C8B-B14F-4D97-AF65-F5344CB8AC3E}">
-        <p14:creationId xmlns:p14="http://schemas.microsoft.com/office/powerpoint/2010/main" val="616928407"/>
+        <p14:creationId xmlns:p14="http://schemas.microsoft.com/office/powerpoint/2010/main" val="3294937931"/>
       </p:ext>
     </p:extLst>
   </p:cSld>
@@ -349,7 +349,7 @@
           <p:cNvPr id="2" name="标题 1">
             <a:extLst>
               <a:ext uri="{FF2B5EF4-FFF2-40B4-BE49-F238E27FC236}">
-                <a16:creationId xmlns:a16="http://schemas.microsoft.com/office/drawing/2014/main" id="{8F5807CA-0B63-6DC2-419B-16C74E8DC3D6}"/>
+                <a16:creationId xmlns:a16="http://schemas.microsoft.com/office/drawing/2014/main" id="{D569E208-D16C-394D-D962-E5E05C4AE1F1}"/>
               </a:ext>
             </a:extLst>
           </p:cNvPr>
@@ -377,7 +377,7 @@
           <p:cNvPr id="3" name="竖排文字占位符 2">
             <a:extLst>
               <a:ext uri="{FF2B5EF4-FFF2-40B4-BE49-F238E27FC236}">
-                <a16:creationId xmlns:a16="http://schemas.microsoft.com/office/drawing/2014/main" id="{8F6B6090-6413-7DEC-3821-ACC4EC60A0E8}"/>
+                <a16:creationId xmlns:a16="http://schemas.microsoft.com/office/drawing/2014/main" id="{B9C0EBE4-7A05-674C-FB02-1D7923A91C90}"/>
               </a:ext>
             </a:extLst>
           </p:cNvPr>
@@ -434,7 +434,7 @@
           <p:cNvPr id="4" name="日期占位符 3">
             <a:extLst>
               <a:ext uri="{FF2B5EF4-FFF2-40B4-BE49-F238E27FC236}">
-                <a16:creationId xmlns:a16="http://schemas.microsoft.com/office/drawing/2014/main" id="{C5FB27DC-9BE3-0EEB-A473-DBDBE0118281}"/>
+                <a16:creationId xmlns:a16="http://schemas.microsoft.com/office/drawing/2014/main" id="{88F580ED-B056-97DB-7B03-5D8613565471}"/>
               </a:ext>
             </a:extLst>
           </p:cNvPr>
@@ -450,7 +450,7 @@
           <a:bodyPr/>
           <a:lstStyle/>
           <a:p>
-            <a:fld id="{A9E084B8-9550-4E30-ABDE-FD761B06D433}" type="datetimeFigureOut">
+            <a:fld id="{62F5B513-0B3F-4E3B-9582-B2750A62041A}" type="datetimeFigureOut">
               <a:rPr lang="zh-CN" altLang="en-US" smtClean="0"/>
               <a:t>2024/3/10</a:t>
             </a:fld>
@@ -463,7 +463,7 @@
           <p:cNvPr id="5" name="页脚占位符 4">
             <a:extLst>
               <a:ext uri="{FF2B5EF4-FFF2-40B4-BE49-F238E27FC236}">
-                <a16:creationId xmlns:a16="http://schemas.microsoft.com/office/drawing/2014/main" id="{63D3356D-C7C2-FDC2-0CC2-56AEFB2B40B7}"/>
+                <a16:creationId xmlns:a16="http://schemas.microsoft.com/office/drawing/2014/main" id="{779D9A1E-4A08-CF05-0CF3-91EE06E926E5}"/>
               </a:ext>
             </a:extLst>
           </p:cNvPr>
@@ -488,7 +488,7 @@
           <p:cNvPr id="6" name="灯片编号占位符 5">
             <a:extLst>
               <a:ext uri="{FF2B5EF4-FFF2-40B4-BE49-F238E27FC236}">
-                <a16:creationId xmlns:a16="http://schemas.microsoft.com/office/drawing/2014/main" id="{30A953F8-0353-78AD-2A29-ECDED791B7D9}"/>
+                <a16:creationId xmlns:a16="http://schemas.microsoft.com/office/drawing/2014/main" id="{34EE43EF-8ABB-7FA1-F58D-7C27FC3121C5}"/>
               </a:ext>
             </a:extLst>
           </p:cNvPr>
@@ -504,7 +504,7 @@
           <a:bodyPr/>
           <a:lstStyle/>
           <a:p>
-            <a:fld id="{C92F685E-A61B-44E4-A574-474DA68A97EC}" type="slidenum">
+            <a:fld id="{C72338E8-E67C-424C-B91A-5D85FDEDCB57}" type="slidenum">
               <a:rPr lang="zh-CN" altLang="en-US" smtClean="0"/>
               <a:t>‹#›</a:t>
             </a:fld>
@@ -515,7 +515,7 @@
     </p:spTree>
     <p:extLst>
       <p:ext uri="{BB962C8B-B14F-4D97-AF65-F5344CB8AC3E}">
-        <p14:creationId xmlns:p14="http://schemas.microsoft.com/office/powerpoint/2010/main" val="3830849772"/>
+        <p14:creationId xmlns:p14="http://schemas.microsoft.com/office/powerpoint/2010/main" val="3912160304"/>
       </p:ext>
     </p:extLst>
   </p:cSld>
@@ -547,7 +547,7 @@
           <p:cNvPr id="2" name="竖排标题 1">
             <a:extLst>
               <a:ext uri="{FF2B5EF4-FFF2-40B4-BE49-F238E27FC236}">
-                <a16:creationId xmlns:a16="http://schemas.microsoft.com/office/drawing/2014/main" id="{9A0F6509-29A1-6701-B24C-80EE49C36529}"/>
+                <a16:creationId xmlns:a16="http://schemas.microsoft.com/office/drawing/2014/main" id="{706E6BC2-204C-359A-A121-2A929A83E81F}"/>
               </a:ext>
             </a:extLst>
           </p:cNvPr>
@@ -580,7 +580,7 @@
           <p:cNvPr id="3" name="竖排文字占位符 2">
             <a:extLst>
               <a:ext uri="{FF2B5EF4-FFF2-40B4-BE49-F238E27FC236}">
-                <a16:creationId xmlns:a16="http://schemas.microsoft.com/office/drawing/2014/main" id="{D3501BC0-6D54-EDEF-21BC-28C3CC845017}"/>
+                <a16:creationId xmlns:a16="http://schemas.microsoft.com/office/drawing/2014/main" id="{559A134A-D193-4C16-6866-D8E1B3C916CD}"/>
               </a:ext>
             </a:extLst>
           </p:cNvPr>
@@ -642,7 +642,7 @@
           <p:cNvPr id="4" name="日期占位符 3">
             <a:extLst>
               <a:ext uri="{FF2B5EF4-FFF2-40B4-BE49-F238E27FC236}">
-                <a16:creationId xmlns:a16="http://schemas.microsoft.com/office/drawing/2014/main" id="{08CAD566-2122-5930-021A-78C871733396}"/>
+                <a16:creationId xmlns:a16="http://schemas.microsoft.com/office/drawing/2014/main" id="{4758BC12-854D-AC7A-0CDA-EF192B50122E}"/>
               </a:ext>
             </a:extLst>
           </p:cNvPr>
@@ -658,7 +658,7 @@
           <a:bodyPr/>
           <a:lstStyle/>
           <a:p>
-            <a:fld id="{A9E084B8-9550-4E30-ABDE-FD761B06D433}" type="datetimeFigureOut">
+            <a:fld id="{62F5B513-0B3F-4E3B-9582-B2750A62041A}" type="datetimeFigureOut">
               <a:rPr lang="zh-CN" altLang="en-US" smtClean="0"/>
               <a:t>2024/3/10</a:t>
             </a:fld>
@@ -671,7 +671,7 @@
           <p:cNvPr id="5" name="页脚占位符 4">
             <a:extLst>
               <a:ext uri="{FF2B5EF4-FFF2-40B4-BE49-F238E27FC236}">
-                <a16:creationId xmlns:a16="http://schemas.microsoft.com/office/drawing/2014/main" id="{BC3E6312-A913-1E22-1108-BA4DDC0515D4}"/>
+                <a16:creationId xmlns:a16="http://schemas.microsoft.com/office/drawing/2014/main" id="{89E4D013-0EF4-39E5-755A-4B29495D3D33}"/>
               </a:ext>
             </a:extLst>
           </p:cNvPr>
@@ -696,7 +696,7 @@
           <p:cNvPr id="6" name="灯片编号占位符 5">
             <a:extLst>
               <a:ext uri="{FF2B5EF4-FFF2-40B4-BE49-F238E27FC236}">
-                <a16:creationId xmlns:a16="http://schemas.microsoft.com/office/drawing/2014/main" id="{AC3ECCDF-F7EE-71B6-132B-A0F425D09004}"/>
+                <a16:creationId xmlns:a16="http://schemas.microsoft.com/office/drawing/2014/main" id="{2F3D80EC-4389-ADE7-9B8F-DCFECB370393}"/>
               </a:ext>
             </a:extLst>
           </p:cNvPr>
@@ -712,7 +712,7 @@
           <a:bodyPr/>
           <a:lstStyle/>
           <a:p>
-            <a:fld id="{C92F685E-A61B-44E4-A574-474DA68A97EC}" type="slidenum">
+            <a:fld id="{C72338E8-E67C-424C-B91A-5D85FDEDCB57}" type="slidenum">
               <a:rPr lang="zh-CN" altLang="en-US" smtClean="0"/>
               <a:t>‹#›</a:t>
             </a:fld>
@@ -723,7 +723,7 @@
     </p:spTree>
     <p:extLst>
       <p:ext uri="{BB962C8B-B14F-4D97-AF65-F5344CB8AC3E}">
-        <p14:creationId xmlns:p14="http://schemas.microsoft.com/office/powerpoint/2010/main" val="2045054324"/>
+        <p14:creationId xmlns:p14="http://schemas.microsoft.com/office/powerpoint/2010/main" val="1089777410"/>
       </p:ext>
     </p:extLst>
   </p:cSld>
@@ -755,7 +755,7 @@
           <p:cNvPr id="2" name="标题 1">
             <a:extLst>
               <a:ext uri="{FF2B5EF4-FFF2-40B4-BE49-F238E27FC236}">
-                <a16:creationId xmlns:a16="http://schemas.microsoft.com/office/drawing/2014/main" id="{FBFB47D8-76D9-4127-99FF-749E1B923349}"/>
+                <a16:creationId xmlns:a16="http://schemas.microsoft.com/office/drawing/2014/main" id="{FEC6409A-5F0F-B254-780D-D98A78E15959}"/>
               </a:ext>
             </a:extLst>
           </p:cNvPr>
@@ -783,7 +783,7 @@
           <p:cNvPr id="3" name="内容占位符 2">
             <a:extLst>
               <a:ext uri="{FF2B5EF4-FFF2-40B4-BE49-F238E27FC236}">
-                <a16:creationId xmlns:a16="http://schemas.microsoft.com/office/drawing/2014/main" id="{0C7D492B-F9AD-D4CA-0C22-35141694C57B}"/>
+                <a16:creationId xmlns:a16="http://schemas.microsoft.com/office/drawing/2014/main" id="{E0E14354-F799-891B-D28A-317690BB1259}"/>
               </a:ext>
             </a:extLst>
           </p:cNvPr>
@@ -840,7 +840,7 @@
           <p:cNvPr id="4" name="日期占位符 3">
             <a:extLst>
               <a:ext uri="{FF2B5EF4-FFF2-40B4-BE49-F238E27FC236}">
-                <a16:creationId xmlns:a16="http://schemas.microsoft.com/office/drawing/2014/main" id="{945E5638-AF1B-8A1D-3B58-EF0F119DB36C}"/>
+                <a16:creationId xmlns:a16="http://schemas.microsoft.com/office/drawing/2014/main" id="{550FF5BB-D5AE-0473-50F5-10962BDD58EF}"/>
               </a:ext>
             </a:extLst>
           </p:cNvPr>
@@ -856,7 +856,7 @@
           <a:bodyPr/>
           <a:lstStyle/>
           <a:p>
-            <a:fld id="{A9E084B8-9550-4E30-ABDE-FD761B06D433}" type="datetimeFigureOut">
+            <a:fld id="{62F5B513-0B3F-4E3B-9582-B2750A62041A}" type="datetimeFigureOut">
               <a:rPr lang="zh-CN" altLang="en-US" smtClean="0"/>
               <a:t>2024/3/10</a:t>
             </a:fld>
@@ -869,7 +869,7 @@
           <p:cNvPr id="5" name="页脚占位符 4">
             <a:extLst>
               <a:ext uri="{FF2B5EF4-FFF2-40B4-BE49-F238E27FC236}">
-                <a16:creationId xmlns:a16="http://schemas.microsoft.com/office/drawing/2014/main" id="{500DD13E-FF26-44D1-7D95-E4477EB5D9B4}"/>
+                <a16:creationId xmlns:a16="http://schemas.microsoft.com/office/drawing/2014/main" id="{95DE2112-23B5-3B89-01A0-F237F8A121E5}"/>
               </a:ext>
             </a:extLst>
           </p:cNvPr>
@@ -894,7 +894,7 @@
           <p:cNvPr id="6" name="灯片编号占位符 5">
             <a:extLst>
               <a:ext uri="{FF2B5EF4-FFF2-40B4-BE49-F238E27FC236}">
-                <a16:creationId xmlns:a16="http://schemas.microsoft.com/office/drawing/2014/main" id="{33653189-1620-F0AE-43B0-C15A4904A275}"/>
+                <a16:creationId xmlns:a16="http://schemas.microsoft.com/office/drawing/2014/main" id="{43A67BBE-1075-105C-26AC-C4C5534F589B}"/>
               </a:ext>
             </a:extLst>
           </p:cNvPr>
@@ -910,7 +910,7 @@
           <a:bodyPr/>
           <a:lstStyle/>
           <a:p>
-            <a:fld id="{C92F685E-A61B-44E4-A574-474DA68A97EC}" type="slidenum">
+            <a:fld id="{C72338E8-E67C-424C-B91A-5D85FDEDCB57}" type="slidenum">
               <a:rPr lang="zh-CN" altLang="en-US" smtClean="0"/>
               <a:t>‹#›</a:t>
             </a:fld>
@@ -921,7 +921,7 @@
     </p:spTree>
     <p:extLst>
       <p:ext uri="{BB962C8B-B14F-4D97-AF65-F5344CB8AC3E}">
-        <p14:creationId xmlns:p14="http://schemas.microsoft.com/office/powerpoint/2010/main" val="3017964632"/>
+        <p14:creationId xmlns:p14="http://schemas.microsoft.com/office/powerpoint/2010/main" val="1172544295"/>
       </p:ext>
     </p:extLst>
   </p:cSld>
@@ -953,7 +953,7 @@
           <p:cNvPr id="2" name="标题 1">
             <a:extLst>
               <a:ext uri="{FF2B5EF4-FFF2-40B4-BE49-F238E27FC236}">
-                <a16:creationId xmlns:a16="http://schemas.microsoft.com/office/drawing/2014/main" id="{4B3FDB9A-A9D1-B9D0-92E6-F1160BB6E2F1}"/>
+                <a16:creationId xmlns:a16="http://schemas.microsoft.com/office/drawing/2014/main" id="{88E83B67-1B50-EA1C-C262-874300377F52}"/>
               </a:ext>
             </a:extLst>
           </p:cNvPr>
@@ -990,7 +990,7 @@
           <p:cNvPr id="3" name="文本占位符 2">
             <a:extLst>
               <a:ext uri="{FF2B5EF4-FFF2-40B4-BE49-F238E27FC236}">
-                <a16:creationId xmlns:a16="http://schemas.microsoft.com/office/drawing/2014/main" id="{CDBEA5A6-0C12-3507-BB52-BF60835B1D1A}"/>
+                <a16:creationId xmlns:a16="http://schemas.microsoft.com/office/drawing/2014/main" id="{39F724BF-FD2F-7A75-7B55-7DAE7F5119A1}"/>
               </a:ext>
             </a:extLst>
           </p:cNvPr>
@@ -1115,7 +1115,7 @@
           <p:cNvPr id="4" name="日期占位符 3">
             <a:extLst>
               <a:ext uri="{FF2B5EF4-FFF2-40B4-BE49-F238E27FC236}">
-                <a16:creationId xmlns:a16="http://schemas.microsoft.com/office/drawing/2014/main" id="{011DC579-C1AD-E1EB-E81B-AAF2C0C7BF58}"/>
+                <a16:creationId xmlns:a16="http://schemas.microsoft.com/office/drawing/2014/main" id="{EE55E7FA-E767-C4AA-A89C-BFA20597D6F6}"/>
               </a:ext>
             </a:extLst>
           </p:cNvPr>
@@ -1131,7 +1131,7 @@
           <a:bodyPr/>
           <a:lstStyle/>
           <a:p>
-            <a:fld id="{A9E084B8-9550-4E30-ABDE-FD761B06D433}" type="datetimeFigureOut">
+            <a:fld id="{62F5B513-0B3F-4E3B-9582-B2750A62041A}" type="datetimeFigureOut">
               <a:rPr lang="zh-CN" altLang="en-US" smtClean="0"/>
               <a:t>2024/3/10</a:t>
             </a:fld>
@@ -1144,7 +1144,7 @@
           <p:cNvPr id="5" name="页脚占位符 4">
             <a:extLst>
               <a:ext uri="{FF2B5EF4-FFF2-40B4-BE49-F238E27FC236}">
-                <a16:creationId xmlns:a16="http://schemas.microsoft.com/office/drawing/2014/main" id="{DB0C05A4-82D8-712B-A83F-D0B304CAA9A7}"/>
+                <a16:creationId xmlns:a16="http://schemas.microsoft.com/office/drawing/2014/main" id="{5740704D-5C8A-5FA3-76C7-78598B33A627}"/>
               </a:ext>
             </a:extLst>
           </p:cNvPr>
@@ -1169,7 +1169,7 @@
           <p:cNvPr id="6" name="灯片编号占位符 5">
             <a:extLst>
               <a:ext uri="{FF2B5EF4-FFF2-40B4-BE49-F238E27FC236}">
-                <a16:creationId xmlns:a16="http://schemas.microsoft.com/office/drawing/2014/main" id="{1301EC6F-3EAC-5707-6205-6BAC1D07B21C}"/>
+                <a16:creationId xmlns:a16="http://schemas.microsoft.com/office/drawing/2014/main" id="{A79F783C-4F16-E347-EFDD-151FE5A82FE4}"/>
               </a:ext>
             </a:extLst>
           </p:cNvPr>
@@ -1185,7 +1185,7 @@
           <a:bodyPr/>
           <a:lstStyle/>
           <a:p>
-            <a:fld id="{C92F685E-A61B-44E4-A574-474DA68A97EC}" type="slidenum">
+            <a:fld id="{C72338E8-E67C-424C-B91A-5D85FDEDCB57}" type="slidenum">
               <a:rPr lang="zh-CN" altLang="en-US" smtClean="0"/>
               <a:t>‹#›</a:t>
             </a:fld>
@@ -1196,7 +1196,7 @@
     </p:spTree>
     <p:extLst>
       <p:ext uri="{BB962C8B-B14F-4D97-AF65-F5344CB8AC3E}">
-        <p14:creationId xmlns:p14="http://schemas.microsoft.com/office/powerpoint/2010/main" val="1281510756"/>
+        <p14:creationId xmlns:p14="http://schemas.microsoft.com/office/powerpoint/2010/main" val="1402281264"/>
       </p:ext>
     </p:extLst>
   </p:cSld>
@@ -1228,7 +1228,7 @@
           <p:cNvPr id="2" name="标题 1">
             <a:extLst>
               <a:ext uri="{FF2B5EF4-FFF2-40B4-BE49-F238E27FC236}">
-                <a16:creationId xmlns:a16="http://schemas.microsoft.com/office/drawing/2014/main" id="{C1996E20-2118-6E30-73F7-16984D691AD9}"/>
+                <a16:creationId xmlns:a16="http://schemas.microsoft.com/office/drawing/2014/main" id="{70C24B73-2620-F099-8EF1-B85134C36C89}"/>
               </a:ext>
             </a:extLst>
           </p:cNvPr>
@@ -1256,7 +1256,7 @@
           <p:cNvPr id="3" name="内容占位符 2">
             <a:extLst>
               <a:ext uri="{FF2B5EF4-FFF2-40B4-BE49-F238E27FC236}">
-                <a16:creationId xmlns:a16="http://schemas.microsoft.com/office/drawing/2014/main" id="{732C7027-ADBE-57A2-9171-C74EE8F79787}"/>
+                <a16:creationId xmlns:a16="http://schemas.microsoft.com/office/drawing/2014/main" id="{66E552F2-3780-EA7A-6D6A-A5E9A3706121}"/>
               </a:ext>
             </a:extLst>
           </p:cNvPr>
@@ -1318,7 +1318,7 @@
           <p:cNvPr id="4" name="内容占位符 3">
             <a:extLst>
               <a:ext uri="{FF2B5EF4-FFF2-40B4-BE49-F238E27FC236}">
-                <a16:creationId xmlns:a16="http://schemas.microsoft.com/office/drawing/2014/main" id="{1C2D3F2B-E727-8A1A-05E0-899C46EB81B0}"/>
+                <a16:creationId xmlns:a16="http://schemas.microsoft.com/office/drawing/2014/main" id="{A087C378-801B-9128-E7F5-1BA58C265539}"/>
               </a:ext>
             </a:extLst>
           </p:cNvPr>
@@ -1380,7 +1380,7 @@
           <p:cNvPr id="5" name="日期占位符 4">
             <a:extLst>
               <a:ext uri="{FF2B5EF4-FFF2-40B4-BE49-F238E27FC236}">
-                <a16:creationId xmlns:a16="http://schemas.microsoft.com/office/drawing/2014/main" id="{C1B8DF87-1677-FF67-D3EE-BB4407003F95}"/>
+                <a16:creationId xmlns:a16="http://schemas.microsoft.com/office/drawing/2014/main" id="{77DB8B26-63BE-63EA-8501-96B88AF08632}"/>
               </a:ext>
             </a:extLst>
           </p:cNvPr>
@@ -1396,7 +1396,7 @@
           <a:bodyPr/>
           <a:lstStyle/>
           <a:p>
-            <a:fld id="{A9E084B8-9550-4E30-ABDE-FD761B06D433}" type="datetimeFigureOut">
+            <a:fld id="{62F5B513-0B3F-4E3B-9582-B2750A62041A}" type="datetimeFigureOut">
               <a:rPr lang="zh-CN" altLang="en-US" smtClean="0"/>
               <a:t>2024/3/10</a:t>
             </a:fld>
@@ -1409,7 +1409,7 @@
           <p:cNvPr id="6" name="页脚占位符 5">
             <a:extLst>
               <a:ext uri="{FF2B5EF4-FFF2-40B4-BE49-F238E27FC236}">
-                <a16:creationId xmlns:a16="http://schemas.microsoft.com/office/drawing/2014/main" id="{4BBEEBCE-9F36-6D4B-1011-164926B71EBF}"/>
+                <a16:creationId xmlns:a16="http://schemas.microsoft.com/office/drawing/2014/main" id="{C35ECB46-6CB1-934D-E08C-969C7D5ED973}"/>
               </a:ext>
             </a:extLst>
           </p:cNvPr>
@@ -1434,7 +1434,7 @@
           <p:cNvPr id="7" name="灯片编号占位符 6">
             <a:extLst>
               <a:ext uri="{FF2B5EF4-FFF2-40B4-BE49-F238E27FC236}">
-                <a16:creationId xmlns:a16="http://schemas.microsoft.com/office/drawing/2014/main" id="{AFD63385-CAB4-929F-6708-9B38D8B89F44}"/>
+                <a16:creationId xmlns:a16="http://schemas.microsoft.com/office/drawing/2014/main" id="{9E341526-7367-AF31-AAE5-8024C85FB7E1}"/>
               </a:ext>
             </a:extLst>
           </p:cNvPr>
@@ -1450,7 +1450,7 @@
           <a:bodyPr/>
           <a:lstStyle/>
           <a:p>
-            <a:fld id="{C92F685E-A61B-44E4-A574-474DA68A97EC}" type="slidenum">
+            <a:fld id="{C72338E8-E67C-424C-B91A-5D85FDEDCB57}" type="slidenum">
               <a:rPr lang="zh-CN" altLang="en-US" smtClean="0"/>
               <a:t>‹#›</a:t>
             </a:fld>
@@ -1461,7 +1461,7 @@
     </p:spTree>
     <p:extLst>
       <p:ext uri="{BB962C8B-B14F-4D97-AF65-F5344CB8AC3E}">
-        <p14:creationId xmlns:p14="http://schemas.microsoft.com/office/powerpoint/2010/main" val="2335146610"/>
+        <p14:creationId xmlns:p14="http://schemas.microsoft.com/office/powerpoint/2010/main" val="2356499887"/>
       </p:ext>
     </p:extLst>
   </p:cSld>
@@ -1493,7 +1493,7 @@
           <p:cNvPr id="2" name="标题 1">
             <a:extLst>
               <a:ext uri="{FF2B5EF4-FFF2-40B4-BE49-F238E27FC236}">
-                <a16:creationId xmlns:a16="http://schemas.microsoft.com/office/drawing/2014/main" id="{E2EF55E5-9B0B-9989-EE43-BEC71AFE7F83}"/>
+                <a16:creationId xmlns:a16="http://schemas.microsoft.com/office/drawing/2014/main" id="{94D49D0C-25BC-D7B1-512E-0A263634A789}"/>
               </a:ext>
             </a:extLst>
           </p:cNvPr>
@@ -1526,7 +1526,7 @@
           <p:cNvPr id="3" name="文本占位符 2">
             <a:extLst>
               <a:ext uri="{FF2B5EF4-FFF2-40B4-BE49-F238E27FC236}">
-                <a16:creationId xmlns:a16="http://schemas.microsoft.com/office/drawing/2014/main" id="{66077AD9-3FB8-67D2-C65B-1DCD9113128A}"/>
+                <a16:creationId xmlns:a16="http://schemas.microsoft.com/office/drawing/2014/main" id="{1F35CCCD-E784-8AE4-D9BB-DC39E28DE71B}"/>
               </a:ext>
             </a:extLst>
           </p:cNvPr>
@@ -1597,7 +1597,7 @@
           <p:cNvPr id="4" name="内容占位符 3">
             <a:extLst>
               <a:ext uri="{FF2B5EF4-FFF2-40B4-BE49-F238E27FC236}">
-                <a16:creationId xmlns:a16="http://schemas.microsoft.com/office/drawing/2014/main" id="{B631677F-F0E5-F9FE-3531-AFDE879AE4E2}"/>
+                <a16:creationId xmlns:a16="http://schemas.microsoft.com/office/drawing/2014/main" id="{9EA8D3A0-370D-FDA0-55D3-A081A39D121B}"/>
               </a:ext>
             </a:extLst>
           </p:cNvPr>
@@ -1659,7 +1659,7 @@
           <p:cNvPr id="5" name="文本占位符 4">
             <a:extLst>
               <a:ext uri="{FF2B5EF4-FFF2-40B4-BE49-F238E27FC236}">
-                <a16:creationId xmlns:a16="http://schemas.microsoft.com/office/drawing/2014/main" id="{A2788B2D-37F2-D198-588E-F97DE8C91950}"/>
+                <a16:creationId xmlns:a16="http://schemas.microsoft.com/office/drawing/2014/main" id="{218FD8B9-1A38-B276-2AD7-6EBB410C89C9}"/>
               </a:ext>
             </a:extLst>
           </p:cNvPr>
@@ -1730,7 +1730,7 @@
           <p:cNvPr id="6" name="内容占位符 5">
             <a:extLst>
               <a:ext uri="{FF2B5EF4-FFF2-40B4-BE49-F238E27FC236}">
-                <a16:creationId xmlns:a16="http://schemas.microsoft.com/office/drawing/2014/main" id="{1EF564B8-1EF1-0CD3-FDF7-42E6232CFFC7}"/>
+                <a16:creationId xmlns:a16="http://schemas.microsoft.com/office/drawing/2014/main" id="{CFFE4A41-0184-2A03-80F4-B6B4B438A162}"/>
               </a:ext>
             </a:extLst>
           </p:cNvPr>
@@ -1792,7 +1792,7 @@
           <p:cNvPr id="7" name="日期占位符 6">
             <a:extLst>
               <a:ext uri="{FF2B5EF4-FFF2-40B4-BE49-F238E27FC236}">
-                <a16:creationId xmlns:a16="http://schemas.microsoft.com/office/drawing/2014/main" id="{E8E2B436-2C4A-BB33-6DDC-E365DAA45A30}"/>
+                <a16:creationId xmlns:a16="http://schemas.microsoft.com/office/drawing/2014/main" id="{7E2D878B-A580-1AB9-8468-41F33155EB86}"/>
               </a:ext>
             </a:extLst>
           </p:cNvPr>
@@ -1808,7 +1808,7 @@
           <a:bodyPr/>
           <a:lstStyle/>
           <a:p>
-            <a:fld id="{A9E084B8-9550-4E30-ABDE-FD761B06D433}" type="datetimeFigureOut">
+            <a:fld id="{62F5B513-0B3F-4E3B-9582-B2750A62041A}" type="datetimeFigureOut">
               <a:rPr lang="zh-CN" altLang="en-US" smtClean="0"/>
               <a:t>2024/3/10</a:t>
             </a:fld>
@@ -1821,7 +1821,7 @@
           <p:cNvPr id="8" name="页脚占位符 7">
             <a:extLst>
               <a:ext uri="{FF2B5EF4-FFF2-40B4-BE49-F238E27FC236}">
-                <a16:creationId xmlns:a16="http://schemas.microsoft.com/office/drawing/2014/main" id="{DCBF1C7F-4E31-3ED9-E0D8-C01C8AFB9B5F}"/>
+                <a16:creationId xmlns:a16="http://schemas.microsoft.com/office/drawing/2014/main" id="{4C8F57AD-274D-7D1F-12FF-C654141C7B9C}"/>
               </a:ext>
             </a:extLst>
           </p:cNvPr>
@@ -1846,7 +1846,7 @@
           <p:cNvPr id="9" name="灯片编号占位符 8">
             <a:extLst>
               <a:ext uri="{FF2B5EF4-FFF2-40B4-BE49-F238E27FC236}">
-                <a16:creationId xmlns:a16="http://schemas.microsoft.com/office/drawing/2014/main" id="{C2F96113-5027-925C-E6BC-12CCF8CFF8A9}"/>
+                <a16:creationId xmlns:a16="http://schemas.microsoft.com/office/drawing/2014/main" id="{AD03B9CD-CE71-5636-9AB2-1DFE26455198}"/>
               </a:ext>
             </a:extLst>
           </p:cNvPr>
@@ -1862,7 +1862,7 @@
           <a:bodyPr/>
           <a:lstStyle/>
           <a:p>
-            <a:fld id="{C92F685E-A61B-44E4-A574-474DA68A97EC}" type="slidenum">
+            <a:fld id="{C72338E8-E67C-424C-B91A-5D85FDEDCB57}" type="slidenum">
               <a:rPr lang="zh-CN" altLang="en-US" smtClean="0"/>
               <a:t>‹#›</a:t>
             </a:fld>
@@ -1873,7 +1873,7 @@
     </p:spTree>
     <p:extLst>
       <p:ext uri="{BB962C8B-B14F-4D97-AF65-F5344CB8AC3E}">
-        <p14:creationId xmlns:p14="http://schemas.microsoft.com/office/powerpoint/2010/main" val="1423333948"/>
+        <p14:creationId xmlns:p14="http://schemas.microsoft.com/office/powerpoint/2010/main" val="985329506"/>
       </p:ext>
     </p:extLst>
   </p:cSld>
@@ -1905,7 +1905,7 @@
           <p:cNvPr id="2" name="标题 1">
             <a:extLst>
               <a:ext uri="{FF2B5EF4-FFF2-40B4-BE49-F238E27FC236}">
-                <a16:creationId xmlns:a16="http://schemas.microsoft.com/office/drawing/2014/main" id="{74AB3865-9426-3663-8688-5225E936269F}"/>
+                <a16:creationId xmlns:a16="http://schemas.microsoft.com/office/drawing/2014/main" id="{E151DB5C-AB70-11D6-E1B3-89E88731C527}"/>
               </a:ext>
             </a:extLst>
           </p:cNvPr>
@@ -1933,7 +1933,7 @@
           <p:cNvPr id="3" name="日期占位符 2">
             <a:extLst>
               <a:ext uri="{FF2B5EF4-FFF2-40B4-BE49-F238E27FC236}">
-                <a16:creationId xmlns:a16="http://schemas.microsoft.com/office/drawing/2014/main" id="{37D42D49-7A25-FFB9-59BA-15251D32EDE5}"/>
+                <a16:creationId xmlns:a16="http://schemas.microsoft.com/office/drawing/2014/main" id="{AAB735F0-06A1-59D0-9BD3-A94088C98BB6}"/>
               </a:ext>
             </a:extLst>
           </p:cNvPr>
@@ -1949,7 +1949,7 @@
           <a:bodyPr/>
           <a:lstStyle/>
           <a:p>
-            <a:fld id="{A9E084B8-9550-4E30-ABDE-FD761B06D433}" type="datetimeFigureOut">
+            <a:fld id="{62F5B513-0B3F-4E3B-9582-B2750A62041A}" type="datetimeFigureOut">
               <a:rPr lang="zh-CN" altLang="en-US" smtClean="0"/>
               <a:t>2024/3/10</a:t>
             </a:fld>
@@ -1962,7 +1962,7 @@
           <p:cNvPr id="4" name="页脚占位符 3">
             <a:extLst>
               <a:ext uri="{FF2B5EF4-FFF2-40B4-BE49-F238E27FC236}">
-                <a16:creationId xmlns:a16="http://schemas.microsoft.com/office/drawing/2014/main" id="{5CE87429-7D08-4584-B6A9-0664997F1DAB}"/>
+                <a16:creationId xmlns:a16="http://schemas.microsoft.com/office/drawing/2014/main" id="{A2EB90FF-1393-791A-8371-519286A4CCC8}"/>
               </a:ext>
             </a:extLst>
           </p:cNvPr>
@@ -1987,7 +1987,7 @@
           <p:cNvPr id="5" name="灯片编号占位符 4">
             <a:extLst>
               <a:ext uri="{FF2B5EF4-FFF2-40B4-BE49-F238E27FC236}">
-                <a16:creationId xmlns:a16="http://schemas.microsoft.com/office/drawing/2014/main" id="{8C4C3012-9056-1AFF-902A-472E350011A5}"/>
+                <a16:creationId xmlns:a16="http://schemas.microsoft.com/office/drawing/2014/main" id="{7DC98F16-FD42-824D-E0A8-804145FD16E2}"/>
               </a:ext>
             </a:extLst>
           </p:cNvPr>
@@ -2003,7 +2003,7 @@
           <a:bodyPr/>
           <a:lstStyle/>
           <a:p>
-            <a:fld id="{C92F685E-A61B-44E4-A574-474DA68A97EC}" type="slidenum">
+            <a:fld id="{C72338E8-E67C-424C-B91A-5D85FDEDCB57}" type="slidenum">
               <a:rPr lang="zh-CN" altLang="en-US" smtClean="0"/>
               <a:t>‹#›</a:t>
             </a:fld>
@@ -2014,7 +2014,7 @@
     </p:spTree>
     <p:extLst>
       <p:ext uri="{BB962C8B-B14F-4D97-AF65-F5344CB8AC3E}">
-        <p14:creationId xmlns:p14="http://schemas.microsoft.com/office/powerpoint/2010/main" val="2341348460"/>
+        <p14:creationId xmlns:p14="http://schemas.microsoft.com/office/powerpoint/2010/main" val="556031688"/>
       </p:ext>
     </p:extLst>
   </p:cSld>
@@ -2046,7 +2046,7 @@
           <p:cNvPr id="2" name="日期占位符 1">
             <a:extLst>
               <a:ext uri="{FF2B5EF4-FFF2-40B4-BE49-F238E27FC236}">
-                <a16:creationId xmlns:a16="http://schemas.microsoft.com/office/drawing/2014/main" id="{891BD1EE-F8D4-77EA-56F4-2D7BEF41B061}"/>
+                <a16:creationId xmlns:a16="http://schemas.microsoft.com/office/drawing/2014/main" id="{54D2654B-4104-6C36-88A4-7916953DECD5}"/>
               </a:ext>
             </a:extLst>
           </p:cNvPr>
@@ -2062,7 +2062,7 @@
           <a:bodyPr/>
           <a:lstStyle/>
           <a:p>
-            <a:fld id="{A9E084B8-9550-4E30-ABDE-FD761B06D433}" type="datetimeFigureOut">
+            <a:fld id="{62F5B513-0B3F-4E3B-9582-B2750A62041A}" type="datetimeFigureOut">
               <a:rPr lang="zh-CN" altLang="en-US" smtClean="0"/>
               <a:t>2024/3/10</a:t>
             </a:fld>
@@ -2075,7 +2075,7 @@
           <p:cNvPr id="3" name="页脚占位符 2">
             <a:extLst>
               <a:ext uri="{FF2B5EF4-FFF2-40B4-BE49-F238E27FC236}">
-                <a16:creationId xmlns:a16="http://schemas.microsoft.com/office/drawing/2014/main" id="{610DF080-F126-707E-5378-FD3E04D5E08C}"/>
+                <a16:creationId xmlns:a16="http://schemas.microsoft.com/office/drawing/2014/main" id="{E86A6F07-DAC3-5108-DFC0-34FC03754677}"/>
               </a:ext>
             </a:extLst>
           </p:cNvPr>
@@ -2100,7 +2100,7 @@
           <p:cNvPr id="4" name="灯片编号占位符 3">
             <a:extLst>
               <a:ext uri="{FF2B5EF4-FFF2-40B4-BE49-F238E27FC236}">
-                <a16:creationId xmlns:a16="http://schemas.microsoft.com/office/drawing/2014/main" id="{BF1F4892-A7FE-AE4F-A87C-3AC75086D26C}"/>
+                <a16:creationId xmlns:a16="http://schemas.microsoft.com/office/drawing/2014/main" id="{332772D0-1F36-60D0-101A-682324BEF8EE}"/>
               </a:ext>
             </a:extLst>
           </p:cNvPr>
@@ -2116,7 +2116,7 @@
           <a:bodyPr/>
           <a:lstStyle/>
           <a:p>
-            <a:fld id="{C92F685E-A61B-44E4-A574-474DA68A97EC}" type="slidenum">
+            <a:fld id="{C72338E8-E67C-424C-B91A-5D85FDEDCB57}" type="slidenum">
               <a:rPr lang="zh-CN" altLang="en-US" smtClean="0"/>
               <a:t>‹#›</a:t>
             </a:fld>
@@ -2127,7 +2127,7 @@
     </p:spTree>
     <p:extLst>
       <p:ext uri="{BB962C8B-B14F-4D97-AF65-F5344CB8AC3E}">
-        <p14:creationId xmlns:p14="http://schemas.microsoft.com/office/powerpoint/2010/main" val="206900618"/>
+        <p14:creationId xmlns:p14="http://schemas.microsoft.com/office/powerpoint/2010/main" val="3988201681"/>
       </p:ext>
     </p:extLst>
   </p:cSld>
@@ -2159,7 +2159,7 @@
           <p:cNvPr id="2" name="标题 1">
             <a:extLst>
               <a:ext uri="{FF2B5EF4-FFF2-40B4-BE49-F238E27FC236}">
-                <a16:creationId xmlns:a16="http://schemas.microsoft.com/office/drawing/2014/main" id="{6D07DA7B-7F4A-BC34-2EB3-A5F073EE43DE}"/>
+                <a16:creationId xmlns:a16="http://schemas.microsoft.com/office/drawing/2014/main" id="{4084A3E8-8C6C-4983-CF47-BB0CBDC39914}"/>
               </a:ext>
             </a:extLst>
           </p:cNvPr>
@@ -2196,7 +2196,7 @@
           <p:cNvPr id="3" name="内容占位符 2">
             <a:extLst>
               <a:ext uri="{FF2B5EF4-FFF2-40B4-BE49-F238E27FC236}">
-                <a16:creationId xmlns:a16="http://schemas.microsoft.com/office/drawing/2014/main" id="{993C26BE-1BEF-E574-B8A2-9C02D9BB0E3B}"/>
+                <a16:creationId xmlns:a16="http://schemas.microsoft.com/office/drawing/2014/main" id="{C86DEA01-3A7F-4A96-1B5F-432F2F0439B5}"/>
               </a:ext>
             </a:extLst>
           </p:cNvPr>
@@ -2286,7 +2286,7 @@
           <p:cNvPr id="4" name="文本占位符 3">
             <a:extLst>
               <a:ext uri="{FF2B5EF4-FFF2-40B4-BE49-F238E27FC236}">
-                <a16:creationId xmlns:a16="http://schemas.microsoft.com/office/drawing/2014/main" id="{6E3E3BAD-70FE-0FB4-A3CA-0A848030FD2D}"/>
+                <a16:creationId xmlns:a16="http://schemas.microsoft.com/office/drawing/2014/main" id="{93BAA6EC-8A34-4616-E8D9-573BBA2E1125}"/>
               </a:ext>
             </a:extLst>
           </p:cNvPr>
@@ -2357,7 +2357,7 @@
           <p:cNvPr id="5" name="日期占位符 4">
             <a:extLst>
               <a:ext uri="{FF2B5EF4-FFF2-40B4-BE49-F238E27FC236}">
-                <a16:creationId xmlns:a16="http://schemas.microsoft.com/office/drawing/2014/main" id="{BB570C13-A827-3192-2CD8-9095740FBAB7}"/>
+                <a16:creationId xmlns:a16="http://schemas.microsoft.com/office/drawing/2014/main" id="{EE56559C-C9D6-59A1-7C2A-503096D6A2B6}"/>
               </a:ext>
             </a:extLst>
           </p:cNvPr>
@@ -2373,7 +2373,7 @@
           <a:bodyPr/>
           <a:lstStyle/>
           <a:p>
-            <a:fld id="{A9E084B8-9550-4E30-ABDE-FD761B06D433}" type="datetimeFigureOut">
+            <a:fld id="{62F5B513-0B3F-4E3B-9582-B2750A62041A}" type="datetimeFigureOut">
               <a:rPr lang="zh-CN" altLang="en-US" smtClean="0"/>
               <a:t>2024/3/10</a:t>
             </a:fld>
@@ -2386,7 +2386,7 @@
           <p:cNvPr id="6" name="页脚占位符 5">
             <a:extLst>
               <a:ext uri="{FF2B5EF4-FFF2-40B4-BE49-F238E27FC236}">
-                <a16:creationId xmlns:a16="http://schemas.microsoft.com/office/drawing/2014/main" id="{5D7F5C29-4F22-9E31-772E-8DD3B9D8A8A5}"/>
+                <a16:creationId xmlns:a16="http://schemas.microsoft.com/office/drawing/2014/main" id="{76A05B63-CC1F-87AE-ADC6-22EC1EB4DACE}"/>
               </a:ext>
             </a:extLst>
           </p:cNvPr>
@@ -2411,7 +2411,7 @@
           <p:cNvPr id="7" name="灯片编号占位符 6">
             <a:extLst>
               <a:ext uri="{FF2B5EF4-FFF2-40B4-BE49-F238E27FC236}">
-                <a16:creationId xmlns:a16="http://schemas.microsoft.com/office/drawing/2014/main" id="{317EEDE1-2000-3A13-ACFA-A71E5CA7C540}"/>
+                <a16:creationId xmlns:a16="http://schemas.microsoft.com/office/drawing/2014/main" id="{CB072AF0-C971-5845-CF6E-B8FF5A807DF7}"/>
               </a:ext>
             </a:extLst>
           </p:cNvPr>
@@ -2427,7 +2427,7 @@
           <a:bodyPr/>
           <a:lstStyle/>
           <a:p>
-            <a:fld id="{C92F685E-A61B-44E4-A574-474DA68A97EC}" type="slidenum">
+            <a:fld id="{C72338E8-E67C-424C-B91A-5D85FDEDCB57}" type="slidenum">
               <a:rPr lang="zh-CN" altLang="en-US" smtClean="0"/>
               <a:t>‹#›</a:t>
             </a:fld>
@@ -2438,7 +2438,7 @@
     </p:spTree>
     <p:extLst>
       <p:ext uri="{BB962C8B-B14F-4D97-AF65-F5344CB8AC3E}">
-        <p14:creationId xmlns:p14="http://schemas.microsoft.com/office/powerpoint/2010/main" val="131218735"/>
+        <p14:creationId xmlns:p14="http://schemas.microsoft.com/office/powerpoint/2010/main" val="1951903441"/>
       </p:ext>
     </p:extLst>
   </p:cSld>
@@ -2470,7 +2470,7 @@
           <p:cNvPr id="2" name="标题 1">
             <a:extLst>
               <a:ext uri="{FF2B5EF4-FFF2-40B4-BE49-F238E27FC236}">
-                <a16:creationId xmlns:a16="http://schemas.microsoft.com/office/drawing/2014/main" id="{CA0F27E5-55C3-56D0-7900-FC531A43361E}"/>
+                <a16:creationId xmlns:a16="http://schemas.microsoft.com/office/drawing/2014/main" id="{72FAC4B2-1FA6-2F94-21C5-863F41C2D3E7}"/>
               </a:ext>
             </a:extLst>
           </p:cNvPr>
@@ -2507,7 +2507,7 @@
           <p:cNvPr id="3" name="图片占位符 2">
             <a:extLst>
               <a:ext uri="{FF2B5EF4-FFF2-40B4-BE49-F238E27FC236}">
-                <a16:creationId xmlns:a16="http://schemas.microsoft.com/office/drawing/2014/main" id="{92F87A0D-65D2-5C4F-3BFC-5E315CA92F58}"/>
+                <a16:creationId xmlns:a16="http://schemas.microsoft.com/office/drawing/2014/main" id="{DCF5944A-F822-00CF-D8EF-B23048C6CEF2}"/>
               </a:ext>
             </a:extLst>
           </p:cNvPr>
@@ -2574,7 +2574,7 @@
           <p:cNvPr id="4" name="文本占位符 3">
             <a:extLst>
               <a:ext uri="{FF2B5EF4-FFF2-40B4-BE49-F238E27FC236}">
-                <a16:creationId xmlns:a16="http://schemas.microsoft.com/office/drawing/2014/main" id="{B22CB9F2-D3EB-B2E4-2D85-984EFEC7DAEC}"/>
+                <a16:creationId xmlns:a16="http://schemas.microsoft.com/office/drawing/2014/main" id="{223577E0-EC71-98EF-AC1D-171DA6492073}"/>
               </a:ext>
             </a:extLst>
           </p:cNvPr>
@@ -2645,7 +2645,7 @@
           <p:cNvPr id="5" name="日期占位符 4">
             <a:extLst>
               <a:ext uri="{FF2B5EF4-FFF2-40B4-BE49-F238E27FC236}">
-                <a16:creationId xmlns:a16="http://schemas.microsoft.com/office/drawing/2014/main" id="{8EF88D94-879E-70C8-2A61-447D17C0B055}"/>
+                <a16:creationId xmlns:a16="http://schemas.microsoft.com/office/drawing/2014/main" id="{37DF927B-2897-8525-9ECD-EB0F6173A26B}"/>
               </a:ext>
             </a:extLst>
           </p:cNvPr>
@@ -2661,7 +2661,7 @@
           <a:bodyPr/>
           <a:lstStyle/>
           <a:p>
-            <a:fld id="{A9E084B8-9550-4E30-ABDE-FD761B06D433}" type="datetimeFigureOut">
+            <a:fld id="{62F5B513-0B3F-4E3B-9582-B2750A62041A}" type="datetimeFigureOut">
               <a:rPr lang="zh-CN" altLang="en-US" smtClean="0"/>
               <a:t>2024/3/10</a:t>
             </a:fld>
@@ -2674,7 +2674,7 @@
           <p:cNvPr id="6" name="页脚占位符 5">
             <a:extLst>
               <a:ext uri="{FF2B5EF4-FFF2-40B4-BE49-F238E27FC236}">
-                <a16:creationId xmlns:a16="http://schemas.microsoft.com/office/drawing/2014/main" id="{8BEFF8B3-3C35-620E-9306-DA70A8A87659}"/>
+                <a16:creationId xmlns:a16="http://schemas.microsoft.com/office/drawing/2014/main" id="{CFD53BD7-A970-9AD8-2028-870D0F10B5E7}"/>
               </a:ext>
             </a:extLst>
           </p:cNvPr>
@@ -2699,7 +2699,7 @@
           <p:cNvPr id="7" name="灯片编号占位符 6">
             <a:extLst>
               <a:ext uri="{FF2B5EF4-FFF2-40B4-BE49-F238E27FC236}">
-                <a16:creationId xmlns:a16="http://schemas.microsoft.com/office/drawing/2014/main" id="{256C66B4-785A-5601-3A0F-8E4DBB64CD78}"/>
+                <a16:creationId xmlns:a16="http://schemas.microsoft.com/office/drawing/2014/main" id="{E838A2C1-9FE1-DE04-1611-DCF6B69718FB}"/>
               </a:ext>
             </a:extLst>
           </p:cNvPr>
@@ -2715,7 +2715,7 @@
           <a:bodyPr/>
           <a:lstStyle/>
           <a:p>
-            <a:fld id="{C92F685E-A61B-44E4-A574-474DA68A97EC}" type="slidenum">
+            <a:fld id="{C72338E8-E67C-424C-B91A-5D85FDEDCB57}" type="slidenum">
               <a:rPr lang="zh-CN" altLang="en-US" smtClean="0"/>
               <a:t>‹#›</a:t>
             </a:fld>
@@ -2726,7 +2726,7 @@
     </p:spTree>
     <p:extLst>
       <p:ext uri="{BB962C8B-B14F-4D97-AF65-F5344CB8AC3E}">
-        <p14:creationId xmlns:p14="http://schemas.microsoft.com/office/powerpoint/2010/main" val="3848017331"/>
+        <p14:creationId xmlns:p14="http://schemas.microsoft.com/office/powerpoint/2010/main" val="825363547"/>
       </p:ext>
     </p:extLst>
   </p:cSld>
@@ -2763,7 +2763,7 @@
           <p:cNvPr id="2" name="标题占位符 1">
             <a:extLst>
               <a:ext uri="{FF2B5EF4-FFF2-40B4-BE49-F238E27FC236}">
-                <a16:creationId xmlns:a16="http://schemas.microsoft.com/office/drawing/2014/main" id="{2AF118D3-427B-5588-A5F8-AF813477F2F0}"/>
+                <a16:creationId xmlns:a16="http://schemas.microsoft.com/office/drawing/2014/main" id="{E99268A2-2B43-0914-ECDA-4380C0E1AD2C}"/>
               </a:ext>
             </a:extLst>
           </p:cNvPr>
@@ -2801,7 +2801,7 @@
           <p:cNvPr id="3" name="文本占位符 2">
             <a:extLst>
               <a:ext uri="{FF2B5EF4-FFF2-40B4-BE49-F238E27FC236}">
-                <a16:creationId xmlns:a16="http://schemas.microsoft.com/office/drawing/2014/main" id="{7517FBEE-F5EF-E114-E811-83B787079B77}"/>
+                <a16:creationId xmlns:a16="http://schemas.microsoft.com/office/drawing/2014/main" id="{99F8B9A3-1FE0-A07A-0675-67647FB39474}"/>
               </a:ext>
             </a:extLst>
           </p:cNvPr>
@@ -2868,7 +2868,7 @@
           <p:cNvPr id="4" name="日期占位符 3">
             <a:extLst>
               <a:ext uri="{FF2B5EF4-FFF2-40B4-BE49-F238E27FC236}">
-                <a16:creationId xmlns:a16="http://schemas.microsoft.com/office/drawing/2014/main" id="{B95D8308-25AB-510E-F62B-DA301BAABED7}"/>
+                <a16:creationId xmlns:a16="http://schemas.microsoft.com/office/drawing/2014/main" id="{B519FA49-5297-20DF-899D-BC32C76472AB}"/>
               </a:ext>
             </a:extLst>
           </p:cNvPr>
@@ -2902,7 +2902,7 @@
             </a:lvl1pPr>
           </a:lstStyle>
           <a:p>
-            <a:fld id="{A9E084B8-9550-4E30-ABDE-FD761B06D433}" type="datetimeFigureOut">
+            <a:fld id="{62F5B513-0B3F-4E3B-9582-B2750A62041A}" type="datetimeFigureOut">
               <a:rPr lang="zh-CN" altLang="en-US" smtClean="0"/>
               <a:t>2024/3/10</a:t>
             </a:fld>
@@ -2915,7 +2915,7 @@
           <p:cNvPr id="5" name="页脚占位符 4">
             <a:extLst>
               <a:ext uri="{FF2B5EF4-FFF2-40B4-BE49-F238E27FC236}">
-                <a16:creationId xmlns:a16="http://schemas.microsoft.com/office/drawing/2014/main" id="{898D754F-8399-D283-EDAD-F869D07C9020}"/>
+                <a16:creationId xmlns:a16="http://schemas.microsoft.com/office/drawing/2014/main" id="{D8EB1BF5-DAC1-56AC-75FC-0282EDF1F835}"/>
               </a:ext>
             </a:extLst>
           </p:cNvPr>
@@ -2958,7 +2958,7 @@
           <p:cNvPr id="6" name="灯片编号占位符 5">
             <a:extLst>
               <a:ext uri="{FF2B5EF4-FFF2-40B4-BE49-F238E27FC236}">
-                <a16:creationId xmlns:a16="http://schemas.microsoft.com/office/drawing/2014/main" id="{C630135C-9A53-2B23-7F17-E13CEC010C17}"/>
+                <a16:creationId xmlns:a16="http://schemas.microsoft.com/office/drawing/2014/main" id="{074274C0-3C52-21BA-7B47-FC04EFD6E1E3}"/>
               </a:ext>
             </a:extLst>
           </p:cNvPr>
@@ -2992,7 +2992,7 @@
             </a:lvl1pPr>
           </a:lstStyle>
           <a:p>
-            <a:fld id="{C92F685E-A61B-44E4-A574-474DA68A97EC}" type="slidenum">
+            <a:fld id="{C72338E8-E67C-424C-B91A-5D85FDEDCB57}" type="slidenum">
               <a:rPr lang="zh-CN" altLang="en-US" smtClean="0"/>
               <a:t>‹#›</a:t>
             </a:fld>
@@ -3003,7 +3003,7 @@
     </p:spTree>
     <p:extLst>
       <p:ext uri="{BB962C8B-B14F-4D97-AF65-F5344CB8AC3E}">
-        <p14:creationId xmlns:p14="http://schemas.microsoft.com/office/powerpoint/2010/main" val="3909195347"/>
+        <p14:creationId xmlns:p14="http://schemas.microsoft.com/office/powerpoint/2010/main" val="309421782"/>
       </p:ext>
     </p:extLst>
   </p:cSld>
